--- a/Organization1/Entitlement Monitoring Data.pptx
+++ b/Organization1/Entitlement Monitoring Data.pptx
@@ -1,24 +1,24 @@
 
 <file path=ppt/presentation.xml><?xml version="1.0" encoding="utf-8"?>
-<p:presentation xmlns:a="http://schemas.openxmlformats.org/drawingml/2006/main" xmlns:r="http://schemas.openxmlformats.org/officeDocument/2006/relationships" xmlns:p="http://schemas.openxmlformats.org/presentationml/2006/main" autoCompressPictures="0">
+<p:presentation xmlns:a="http://schemas.openxmlformats.org/drawingml/2006/main" xmlns:r="http://schemas.openxmlformats.org/officeDocument/2006/relationships" xmlns:p="http://schemas.openxmlformats.org/presentationml/2006/main" removePersonalInfoOnSave="1" autoCompressPictures="0">
   <p:sldMasterIdLst>
-    <p:sldMasterId id="2147483648" r:id="rId3"/>
+    <p:sldMasterId id="2147483648" r:id="rId1"/>
   </p:sldMasterIdLst>
   <p:notesMasterIdLst>
-    <p:notesMasterId r:id="rId12"/>
+    <p:notesMasterId r:id="rId10"/>
   </p:notesMasterIdLst>
   <p:handoutMasterIdLst>
-    <p:handoutMasterId r:id="rId13"/>
+    <p:handoutMasterId r:id="rId11"/>
   </p:handoutMasterIdLst>
   <p:sldIdLst>
-    <p:sldId id="256" r:id="rId4"/>
-    <p:sldId id="257" r:id="rId5"/>
-    <p:sldId id="260" r:id="rId6"/>
-    <p:sldId id="258" r:id="rId7"/>
-    <p:sldId id="259" r:id="rId8"/>
-    <p:sldId id="261" r:id="rId9"/>
-    <p:sldId id="262" r:id="rId10"/>
-    <p:sldId id="263" r:id="rId11"/>
+    <p:sldId id="256" r:id="rId2"/>
+    <p:sldId id="257" r:id="rId3"/>
+    <p:sldId id="260" r:id="rId4"/>
+    <p:sldId id="258" r:id="rId5"/>
+    <p:sldId id="259" r:id="rId6"/>
+    <p:sldId id="261" r:id="rId7"/>
+    <p:sldId id="262" r:id="rId8"/>
+    <p:sldId id="263" r:id="rId9"/>
   </p:sldIdLst>
   <p:sldSz cx="12192000" cy="6858000"/>
   <p:notesSz cx="6858000" cy="9144000"/>
@@ -207,7 +207,7 @@
           <a:p>
             <a:fld id="{C8CB8D3E-A4D0-4332-BDB0-0CE8F735F7D3}" type="datetimeFigureOut">
               <a:rPr lang="en-US" smtClean="0"/>
-              <a:t>10/14/2018</a:t>
+              <a:t>11/4/2018</a:t>
             </a:fld>
             <a:endParaRPr lang="en-US"/>
           </a:p>
@@ -372,7 +372,7 @@
           <a:p>
             <a:fld id="{01E8CE59-4E89-4A67-91A3-292464EB914F}" type="datetimeFigureOut">
               <a:rPr lang="en-US" smtClean="0"/>
-              <a:t>10/14/2018</a:t>
+              <a:t>11/4/2018</a:t>
             </a:fld>
             <a:endParaRPr lang="en-US"/>
           </a:p>
@@ -436,38 +436,37 @@
           <a:p>
             <a:pPr lvl="0"/>
             <a:r>
-              <a:rPr lang="en-US" smtClean="0"/>
+              <a:rPr lang="en-US"/>
               <a:t>Click to edit Master text styles</a:t>
             </a:r>
           </a:p>
           <a:p>
             <a:pPr lvl="1"/>
             <a:r>
-              <a:rPr lang="en-US" smtClean="0"/>
+              <a:rPr lang="en-US"/>
               <a:t>Second level</a:t>
             </a:r>
           </a:p>
           <a:p>
             <a:pPr lvl="2"/>
             <a:r>
-              <a:rPr lang="en-US" smtClean="0"/>
+              <a:rPr lang="en-US"/>
               <a:t>Third level</a:t>
             </a:r>
           </a:p>
           <a:p>
             <a:pPr lvl="3"/>
             <a:r>
-              <a:rPr lang="en-US" smtClean="0"/>
+              <a:rPr lang="en-US"/>
               <a:t>Fourth level</a:t>
             </a:r>
           </a:p>
           <a:p>
             <a:pPr lvl="4"/>
             <a:r>
-              <a:rPr lang="en-US" smtClean="0"/>
+              <a:rPr lang="en-US"/>
               <a:t>Fifth level</a:t>
             </a:r>
-            <a:endParaRPr lang="en-US"/>
           </a:p>
         </p:txBody>
       </p:sp>
@@ -2218,7 +2217,7 @@
           </a:lstStyle>
           <a:p>
             <a:r>
-              <a:rPr lang="en-US" smtClean="0"/>
+              <a:rPr lang="en-US"/>
               <a:t>Click to edit Master title style</a:t>
             </a:r>
             <a:endParaRPr lang="en-US" dirty="0"/>
@@ -2338,7 +2337,7 @@
           </a:lstStyle>
           <a:p>
             <a:r>
-              <a:rPr lang="en-US" smtClean="0"/>
+              <a:rPr lang="en-US"/>
               <a:t>Click to edit Master subtitle style</a:t>
             </a:r>
             <a:endParaRPr lang="en-US" dirty="0"/>
@@ -2363,7 +2362,7 @@
             <a:fld id="{B61BEF0D-F0BB-DE4B-95CE-6DB70DBA9567}" type="datetimeFigureOut">
               <a:rPr lang="en-US" dirty="0"/>
               <a:pPr/>
-              <a:t>10/14/2018</a:t>
+              <a:t>11/4/2018</a:t>
             </a:fld>
             <a:endParaRPr lang="en-US" dirty="0"/>
           </a:p>
@@ -2464,7 +2463,7 @@
           </a:lstStyle>
           <a:p>
             <a:r>
-              <a:rPr lang="en-US" smtClean="0"/>
+              <a:rPr lang="en-US"/>
               <a:t>Click to edit Master title style</a:t>
             </a:r>
             <a:endParaRPr lang="en-US" dirty="0"/>
@@ -2587,7 +2586,7 @@
           <a:p>
             <a:pPr lvl="0"/>
             <a:r>
-              <a:rPr lang="en-US" smtClean="0"/>
+              <a:rPr lang="en-US"/>
               <a:t>Click to edit Master text styles</a:t>
             </a:r>
           </a:p>
@@ -2611,7 +2610,7 @@
             <a:fld id="{B61BEF0D-F0BB-DE4B-95CE-6DB70DBA9567}" type="datetimeFigureOut">
               <a:rPr lang="en-US" dirty="0"/>
               <a:pPr/>
-              <a:t>10/14/2018</a:t>
+              <a:t>11/4/2018</a:t>
             </a:fld>
             <a:endParaRPr lang="en-US" dirty="0"/>
           </a:p>
@@ -2712,7 +2711,7 @@
           </a:lstStyle>
           <a:p>
             <a:r>
-              <a:rPr lang="en-US" smtClean="0"/>
+              <a:rPr lang="en-US"/>
               <a:t>Click to edit Master title style</a:t>
             </a:r>
             <a:endParaRPr lang="en-US" dirty="0"/>
@@ -2776,7 +2775,7 @@
           <a:p>
             <a:pPr lvl="0"/>
             <a:r>
-              <a:rPr lang="en-US" smtClean="0"/>
+              <a:rPr lang="en-US"/>
               <a:t>Click to edit Master text styles</a:t>
             </a:r>
           </a:p>
@@ -2898,7 +2897,7 @@
           <a:p>
             <a:pPr lvl="0"/>
             <a:r>
-              <a:rPr lang="en-US" smtClean="0"/>
+              <a:rPr lang="en-US"/>
               <a:t>Click to edit Master text styles</a:t>
             </a:r>
           </a:p>
@@ -2922,7 +2921,7 @@
             <a:fld id="{B61BEF0D-F0BB-DE4B-95CE-6DB70DBA9567}" type="datetimeFigureOut">
               <a:rPr lang="en-US" dirty="0"/>
               <a:pPr/>
-              <a:t>10/14/2018</a:t>
+              <a:t>11/4/2018</a:t>
             </a:fld>
             <a:endParaRPr lang="en-US" dirty="0"/>
           </a:p>
@@ -3105,7 +3104,7 @@
           </a:lstStyle>
           <a:p>
             <a:r>
-              <a:rPr lang="en-US" smtClean="0"/>
+              <a:rPr lang="en-US"/>
               <a:t>Click to edit Master title style</a:t>
             </a:r>
             <a:endParaRPr lang="en-US" dirty="0"/>
@@ -3228,7 +3227,7 @@
           <a:p>
             <a:pPr lvl="0"/>
             <a:r>
-              <a:rPr lang="en-US" smtClean="0"/>
+              <a:rPr lang="en-US"/>
               <a:t>Click to edit Master text styles</a:t>
             </a:r>
           </a:p>
@@ -3252,7 +3251,7 @@
             <a:fld id="{B61BEF0D-F0BB-DE4B-95CE-6DB70DBA9567}" type="datetimeFigureOut">
               <a:rPr lang="en-US" dirty="0"/>
               <a:pPr/>
-              <a:t>10/14/2018</a:t>
+              <a:t>11/4/2018</a:t>
             </a:fld>
             <a:endParaRPr lang="en-US" dirty="0"/>
           </a:p>
@@ -3353,7 +3352,7 @@
           </a:lstStyle>
           <a:p>
             <a:r>
-              <a:rPr lang="en-US" smtClean="0"/>
+              <a:rPr lang="en-US"/>
               <a:t>Click to edit Master title style</a:t>
             </a:r>
             <a:endParaRPr lang="en-US" dirty="0"/>
@@ -3417,7 +3416,7 @@
           <a:p>
             <a:pPr lvl="0"/>
             <a:r>
-              <a:rPr lang="en-US" smtClean="0"/>
+              <a:rPr lang="en-US"/>
               <a:t>Click to edit Master text styles</a:t>
             </a:r>
           </a:p>
@@ -3539,7 +3538,7 @@
           <a:p>
             <a:pPr lvl="0"/>
             <a:r>
-              <a:rPr lang="en-US" smtClean="0"/>
+              <a:rPr lang="en-US"/>
               <a:t>Click to edit Master text styles</a:t>
             </a:r>
           </a:p>
@@ -3563,7 +3562,7 @@
             <a:fld id="{B61BEF0D-F0BB-DE4B-95CE-6DB70DBA9567}" type="datetimeFigureOut">
               <a:rPr lang="en-US" dirty="0"/>
               <a:pPr/>
-              <a:t>10/14/2018</a:t>
+              <a:t>11/4/2018</a:t>
             </a:fld>
             <a:endParaRPr lang="en-US" dirty="0"/>
           </a:p>
@@ -3746,7 +3745,7 @@
           </a:lstStyle>
           <a:p>
             <a:r>
-              <a:rPr lang="en-US" smtClean="0"/>
+              <a:rPr lang="en-US"/>
               <a:t>Click to edit Master title style</a:t>
             </a:r>
             <a:endParaRPr lang="en-US" dirty="0"/>
@@ -3807,7 +3806,7 @@
           <a:p>
             <a:pPr lvl="0"/>
             <a:r>
-              <a:rPr lang="en-US" smtClean="0"/>
+              <a:rPr lang="en-US"/>
               <a:t>Click to edit Master text styles</a:t>
             </a:r>
           </a:p>
@@ -3929,7 +3928,7 @@
           <a:p>
             <a:pPr lvl="0"/>
             <a:r>
-              <a:rPr lang="en-US" smtClean="0"/>
+              <a:rPr lang="en-US"/>
               <a:t>Click to edit Master text styles</a:t>
             </a:r>
           </a:p>
@@ -3953,7 +3952,7 @@
             <a:fld id="{B61BEF0D-F0BB-DE4B-95CE-6DB70DBA9567}" type="datetimeFigureOut">
               <a:rPr lang="en-US" dirty="0"/>
               <a:pPr/>
-              <a:t>10/14/2018</a:t>
+              <a:t>11/4/2018</a:t>
             </a:fld>
             <a:endParaRPr lang="en-US" dirty="0"/>
           </a:p>
@@ -4043,7 +4042,7 @@
           <a:lstStyle/>
           <a:p>
             <a:r>
-              <a:rPr lang="en-US" smtClean="0"/>
+              <a:rPr lang="en-US"/>
               <a:t>Click to edit Master title style</a:t>
             </a:r>
             <a:endParaRPr lang="en-US" dirty="0"/>
@@ -4067,35 +4066,35 @@
           <a:p>
             <a:pPr lvl="0"/>
             <a:r>
-              <a:rPr lang="en-US" smtClean="0"/>
+              <a:rPr lang="en-US"/>
               <a:t>Click to edit Master text styles</a:t>
             </a:r>
           </a:p>
           <a:p>
             <a:pPr lvl="1"/>
             <a:r>
-              <a:rPr lang="en-US" smtClean="0"/>
+              <a:rPr lang="en-US"/>
               <a:t>Second level</a:t>
             </a:r>
           </a:p>
           <a:p>
             <a:pPr lvl="2"/>
             <a:r>
-              <a:rPr lang="en-US" smtClean="0"/>
+              <a:rPr lang="en-US"/>
               <a:t>Third level</a:t>
             </a:r>
           </a:p>
           <a:p>
             <a:pPr lvl="3"/>
             <a:r>
-              <a:rPr lang="en-US" smtClean="0"/>
+              <a:rPr lang="en-US"/>
               <a:t>Fourth level</a:t>
             </a:r>
           </a:p>
           <a:p>
             <a:pPr lvl="4"/>
             <a:r>
-              <a:rPr lang="en-US" smtClean="0"/>
+              <a:rPr lang="en-US"/>
               <a:t>Fifth level</a:t>
             </a:r>
             <a:endParaRPr lang="en-US" dirty="0"/>
@@ -4119,7 +4118,7 @@
           <a:p>
             <a:fld id="{55C6B4A9-1611-4792-9094-5F34BCA07E0B}" type="datetimeFigureOut">
               <a:rPr lang="en-US" dirty="0"/>
-              <a:t>10/14/2018</a:t>
+              <a:t>11/4/2018</a:t>
             </a:fld>
             <a:endParaRPr lang="en-US" dirty="0"/>
           </a:p>
@@ -4213,7 +4212,7 @@
           <a:lstStyle/>
           <a:p>
             <a:r>
-              <a:rPr lang="en-US" smtClean="0"/>
+              <a:rPr lang="en-US"/>
               <a:t>Click to edit Master title style</a:t>
             </a:r>
             <a:endParaRPr lang="en-US" dirty="0"/>
@@ -4242,35 +4241,35 @@
           <a:p>
             <a:pPr lvl="0"/>
             <a:r>
-              <a:rPr lang="en-US" smtClean="0"/>
+              <a:rPr lang="en-US"/>
               <a:t>Click to edit Master text styles</a:t>
             </a:r>
           </a:p>
           <a:p>
             <a:pPr lvl="1"/>
             <a:r>
-              <a:rPr lang="en-US" smtClean="0"/>
+              <a:rPr lang="en-US"/>
               <a:t>Second level</a:t>
             </a:r>
           </a:p>
           <a:p>
             <a:pPr lvl="2"/>
             <a:r>
-              <a:rPr lang="en-US" smtClean="0"/>
+              <a:rPr lang="en-US"/>
               <a:t>Third level</a:t>
             </a:r>
           </a:p>
           <a:p>
             <a:pPr lvl="3"/>
             <a:r>
-              <a:rPr lang="en-US" smtClean="0"/>
+              <a:rPr lang="en-US"/>
               <a:t>Fourth level</a:t>
             </a:r>
           </a:p>
           <a:p>
             <a:pPr lvl="4"/>
             <a:r>
-              <a:rPr lang="en-US" smtClean="0"/>
+              <a:rPr lang="en-US"/>
               <a:t>Fifth level</a:t>
             </a:r>
             <a:endParaRPr lang="en-US" dirty="0"/>
@@ -4295,7 +4294,7 @@
             <a:fld id="{B61BEF0D-F0BB-DE4B-95CE-6DB70DBA9567}" type="datetimeFigureOut">
               <a:rPr lang="en-US" dirty="0"/>
               <a:pPr/>
-              <a:t>10/14/2018</a:t>
+              <a:t>11/4/2018</a:t>
             </a:fld>
             <a:endParaRPr lang="en-US" dirty="0"/>
           </a:p>
@@ -4385,7 +4384,7 @@
           <a:lstStyle/>
           <a:p>
             <a:r>
-              <a:rPr lang="en-US" smtClean="0"/>
+              <a:rPr lang="en-US"/>
               <a:t>Click to edit Master title style</a:t>
             </a:r>
             <a:endParaRPr lang="en-US" dirty="0"/>
@@ -4409,35 +4408,35 @@
           <a:p>
             <a:pPr lvl="0"/>
             <a:r>
-              <a:rPr lang="en-US" smtClean="0"/>
+              <a:rPr lang="en-US"/>
               <a:t>Click to edit Master text styles</a:t>
             </a:r>
           </a:p>
           <a:p>
             <a:pPr lvl="1"/>
             <a:r>
-              <a:rPr lang="en-US" smtClean="0"/>
+              <a:rPr lang="en-US"/>
               <a:t>Second level</a:t>
             </a:r>
           </a:p>
           <a:p>
             <a:pPr lvl="2"/>
             <a:r>
-              <a:rPr lang="en-US" smtClean="0"/>
+              <a:rPr lang="en-US"/>
               <a:t>Third level</a:t>
             </a:r>
           </a:p>
           <a:p>
             <a:pPr lvl="3"/>
             <a:r>
-              <a:rPr lang="en-US" smtClean="0"/>
+              <a:rPr lang="en-US"/>
               <a:t>Fourth level</a:t>
             </a:r>
           </a:p>
           <a:p>
             <a:pPr lvl="4"/>
             <a:r>
-              <a:rPr lang="en-US" smtClean="0"/>
+              <a:rPr lang="en-US"/>
               <a:t>Fifth level</a:t>
             </a:r>
             <a:endParaRPr lang="en-US" dirty="0"/>
@@ -4461,7 +4460,7 @@
           <a:p>
             <a:fld id="{42A54C80-263E-416B-A8E0-580EDEADCBDC}" type="datetimeFigureOut">
               <a:rPr lang="en-US" dirty="0"/>
-              <a:t>10/14/2018</a:t>
+              <a:t>11/4/2018</a:t>
             </a:fld>
             <a:endParaRPr lang="en-US" dirty="0"/>
           </a:p>
@@ -4559,7 +4558,7 @@
           </a:lstStyle>
           <a:p>
             <a:r>
-              <a:rPr lang="en-US" smtClean="0"/>
+              <a:rPr lang="en-US"/>
               <a:t>Click to edit Master title style</a:t>
             </a:r>
             <a:endParaRPr lang="en-US" dirty="0"/>
@@ -4680,7 +4679,7 @@
           <a:p>
             <a:pPr lvl="0"/>
             <a:r>
-              <a:rPr lang="en-US" smtClean="0"/>
+              <a:rPr lang="en-US"/>
               <a:t>Click to edit Master text styles</a:t>
             </a:r>
           </a:p>
@@ -4704,7 +4703,7 @@
             <a:fld id="{B61BEF0D-F0BB-DE4B-95CE-6DB70DBA9567}" type="datetimeFigureOut">
               <a:rPr lang="en-US" dirty="0"/>
               <a:pPr/>
-              <a:t>10/14/2018</a:t>
+              <a:t>11/4/2018</a:t>
             </a:fld>
             <a:endParaRPr lang="en-US" dirty="0"/>
           </a:p>
@@ -4794,7 +4793,7 @@
           <a:lstStyle/>
           <a:p>
             <a:r>
-              <a:rPr lang="en-US" smtClean="0"/>
+              <a:rPr lang="en-US"/>
               <a:t>Click to edit Master title style</a:t>
             </a:r>
             <a:endParaRPr lang="en-US" dirty="0"/>
@@ -4823,35 +4822,35 @@
           <a:p>
             <a:pPr lvl="0"/>
             <a:r>
-              <a:rPr lang="en-US" smtClean="0"/>
+              <a:rPr lang="en-US"/>
               <a:t>Click to edit Master text styles</a:t>
             </a:r>
           </a:p>
           <a:p>
             <a:pPr lvl="1"/>
             <a:r>
-              <a:rPr lang="en-US" smtClean="0"/>
+              <a:rPr lang="en-US"/>
               <a:t>Second level</a:t>
             </a:r>
           </a:p>
           <a:p>
             <a:pPr lvl="2"/>
             <a:r>
-              <a:rPr lang="en-US" smtClean="0"/>
+              <a:rPr lang="en-US"/>
               <a:t>Third level</a:t>
             </a:r>
           </a:p>
           <a:p>
             <a:pPr lvl="3"/>
             <a:r>
-              <a:rPr lang="en-US" smtClean="0"/>
+              <a:rPr lang="en-US"/>
               <a:t>Fourth level</a:t>
             </a:r>
           </a:p>
           <a:p>
             <a:pPr lvl="4"/>
             <a:r>
-              <a:rPr lang="en-US" smtClean="0"/>
+              <a:rPr lang="en-US"/>
               <a:t>Fifth level</a:t>
             </a:r>
             <a:endParaRPr lang="en-US" dirty="0"/>
@@ -4880,35 +4879,35 @@
           <a:p>
             <a:pPr lvl="0"/>
             <a:r>
-              <a:rPr lang="en-US" smtClean="0"/>
+              <a:rPr lang="en-US"/>
               <a:t>Click to edit Master text styles</a:t>
             </a:r>
           </a:p>
           <a:p>
             <a:pPr lvl="1"/>
             <a:r>
-              <a:rPr lang="en-US" smtClean="0"/>
+              <a:rPr lang="en-US"/>
               <a:t>Second level</a:t>
             </a:r>
           </a:p>
           <a:p>
             <a:pPr lvl="2"/>
             <a:r>
-              <a:rPr lang="en-US" smtClean="0"/>
+              <a:rPr lang="en-US"/>
               <a:t>Third level</a:t>
             </a:r>
           </a:p>
           <a:p>
             <a:pPr lvl="3"/>
             <a:r>
-              <a:rPr lang="en-US" smtClean="0"/>
+              <a:rPr lang="en-US"/>
               <a:t>Fourth level</a:t>
             </a:r>
           </a:p>
           <a:p>
             <a:pPr lvl="4"/>
             <a:r>
-              <a:rPr lang="en-US" smtClean="0"/>
+              <a:rPr lang="en-US"/>
               <a:t>Fifth level</a:t>
             </a:r>
             <a:endParaRPr lang="en-US" dirty="0"/>
@@ -4932,7 +4931,7 @@
           <a:p>
             <a:fld id="{42A54C80-263E-416B-A8E0-580EDEADCBDC}" type="datetimeFigureOut">
               <a:rPr lang="en-US" dirty="0"/>
-              <a:t>10/14/2018</a:t>
+              <a:t>11/4/2018</a:t>
             </a:fld>
             <a:endParaRPr lang="en-US" dirty="0"/>
           </a:p>
@@ -5025,7 +5024,7 @@
           </a:lstStyle>
           <a:p>
             <a:r>
-              <a:rPr lang="en-US" smtClean="0"/>
+              <a:rPr lang="en-US"/>
               <a:t>Click to edit Master title style</a:t>
             </a:r>
             <a:endParaRPr lang="en-US" dirty="0"/>
@@ -5093,7 +5092,7 @@
           <a:p>
             <a:pPr lvl="0"/>
             <a:r>
-              <a:rPr lang="en-US" smtClean="0"/>
+              <a:rPr lang="en-US"/>
               <a:t>Click to edit Master text styles</a:t>
             </a:r>
           </a:p>
@@ -5123,35 +5122,35 @@
           <a:p>
             <a:pPr lvl="0"/>
             <a:r>
-              <a:rPr lang="en-US" smtClean="0"/>
+              <a:rPr lang="en-US"/>
               <a:t>Click to edit Master text styles</a:t>
             </a:r>
           </a:p>
           <a:p>
             <a:pPr lvl="1"/>
             <a:r>
-              <a:rPr lang="en-US" smtClean="0"/>
+              <a:rPr lang="en-US"/>
               <a:t>Second level</a:t>
             </a:r>
           </a:p>
           <a:p>
             <a:pPr lvl="2"/>
             <a:r>
-              <a:rPr lang="en-US" smtClean="0"/>
+              <a:rPr lang="en-US"/>
               <a:t>Third level</a:t>
             </a:r>
           </a:p>
           <a:p>
             <a:pPr lvl="3"/>
             <a:r>
-              <a:rPr lang="en-US" smtClean="0"/>
+              <a:rPr lang="en-US"/>
               <a:t>Fourth level</a:t>
             </a:r>
           </a:p>
           <a:p>
             <a:pPr lvl="4"/>
             <a:r>
-              <a:rPr lang="en-US" smtClean="0"/>
+              <a:rPr lang="en-US"/>
               <a:t>Fifth level</a:t>
             </a:r>
             <a:endParaRPr lang="en-US" dirty="0"/>
@@ -5219,7 +5218,7 @@
           <a:p>
             <a:pPr lvl="0"/>
             <a:r>
-              <a:rPr lang="en-US" smtClean="0"/>
+              <a:rPr lang="en-US"/>
               <a:t>Click to edit Master text styles</a:t>
             </a:r>
           </a:p>
@@ -5249,35 +5248,35 @@
           <a:p>
             <a:pPr lvl="0"/>
             <a:r>
-              <a:rPr lang="en-US" smtClean="0"/>
+              <a:rPr lang="en-US"/>
               <a:t>Click to edit Master text styles</a:t>
             </a:r>
           </a:p>
           <a:p>
             <a:pPr lvl="1"/>
             <a:r>
-              <a:rPr lang="en-US" smtClean="0"/>
+              <a:rPr lang="en-US"/>
               <a:t>Second level</a:t>
             </a:r>
           </a:p>
           <a:p>
             <a:pPr lvl="2"/>
             <a:r>
-              <a:rPr lang="en-US" smtClean="0"/>
+              <a:rPr lang="en-US"/>
               <a:t>Third level</a:t>
             </a:r>
           </a:p>
           <a:p>
             <a:pPr lvl="3"/>
             <a:r>
-              <a:rPr lang="en-US" smtClean="0"/>
+              <a:rPr lang="en-US"/>
               <a:t>Fourth level</a:t>
             </a:r>
           </a:p>
           <a:p>
             <a:pPr lvl="4"/>
             <a:r>
-              <a:rPr lang="en-US" smtClean="0"/>
+              <a:rPr lang="en-US"/>
               <a:t>Fifth level</a:t>
             </a:r>
             <a:endParaRPr lang="en-US" dirty="0"/>
@@ -5302,7 +5301,7 @@
             <a:fld id="{B61BEF0D-F0BB-DE4B-95CE-6DB70DBA9567}" type="datetimeFigureOut">
               <a:rPr lang="en-US" dirty="0"/>
               <a:pPr/>
-              <a:t>10/14/2018</a:t>
+              <a:t>11/4/2018</a:t>
             </a:fld>
             <a:endParaRPr lang="en-US" dirty="0"/>
           </a:p>
@@ -5397,7 +5396,7 @@
           <a:lstStyle/>
           <a:p>
             <a:r>
-              <a:rPr lang="en-US" smtClean="0"/>
+              <a:rPr lang="en-US"/>
               <a:t>Click to edit Master title style</a:t>
             </a:r>
             <a:endParaRPr lang="en-US" dirty="0"/>
@@ -5422,7 +5421,7 @@
             <a:fld id="{B61BEF0D-F0BB-DE4B-95CE-6DB70DBA9567}" type="datetimeFigureOut">
               <a:rPr lang="en-US" dirty="0"/>
               <a:pPr/>
-              <a:t>10/14/2018</a:t>
+              <a:t>11/4/2018</a:t>
             </a:fld>
             <a:endParaRPr lang="en-US" dirty="0"/>
           </a:p>
@@ -5514,7 +5513,7 @@
             <a:fld id="{B61BEF0D-F0BB-DE4B-95CE-6DB70DBA9567}" type="datetimeFigureOut">
               <a:rPr lang="en-US" dirty="0"/>
               <a:pPr/>
-              <a:t>10/14/2018</a:t>
+              <a:t>11/4/2018</a:t>
             </a:fld>
             <a:endParaRPr lang="en-US" dirty="0"/>
           </a:p>
@@ -5615,7 +5614,7 @@
           </a:lstStyle>
           <a:p>
             <a:r>
-              <a:rPr lang="en-US" smtClean="0"/>
+              <a:rPr lang="en-US"/>
               <a:t>Click to edit Master title style</a:t>
             </a:r>
             <a:endParaRPr lang="en-US" dirty="0"/>
@@ -5646,35 +5645,35 @@
           <a:p>
             <a:pPr lvl="0"/>
             <a:r>
-              <a:rPr lang="en-US" smtClean="0"/>
+              <a:rPr lang="en-US"/>
               <a:t>Click to edit Master text styles</a:t>
             </a:r>
           </a:p>
           <a:p>
             <a:pPr lvl="1"/>
             <a:r>
-              <a:rPr lang="en-US" smtClean="0"/>
+              <a:rPr lang="en-US"/>
               <a:t>Second level</a:t>
             </a:r>
           </a:p>
           <a:p>
             <a:pPr lvl="2"/>
             <a:r>
-              <a:rPr lang="en-US" smtClean="0"/>
+              <a:rPr lang="en-US"/>
               <a:t>Third level</a:t>
             </a:r>
           </a:p>
           <a:p>
             <a:pPr lvl="3"/>
             <a:r>
-              <a:rPr lang="en-US" smtClean="0"/>
+              <a:rPr lang="en-US"/>
               <a:t>Fourth level</a:t>
             </a:r>
           </a:p>
           <a:p>
             <a:pPr lvl="4"/>
             <a:r>
-              <a:rPr lang="en-US" smtClean="0"/>
+              <a:rPr lang="en-US"/>
               <a:t>Fifth level</a:t>
             </a:r>
             <a:endParaRPr lang="en-US" dirty="0"/>
@@ -5742,7 +5741,7 @@
           <a:p>
             <a:pPr lvl="0"/>
             <a:r>
-              <a:rPr lang="en-US" smtClean="0"/>
+              <a:rPr lang="en-US"/>
               <a:t>Click to edit Master text styles</a:t>
             </a:r>
           </a:p>
@@ -5765,7 +5764,7 @@
           <a:p>
             <a:fld id="{42A54C80-263E-416B-A8E0-580EDEADCBDC}" type="datetimeFigureOut">
               <a:rPr lang="en-US" dirty="0"/>
-              <a:t>10/14/2018</a:t>
+              <a:t>11/4/2018</a:t>
             </a:fld>
             <a:endParaRPr lang="en-US" dirty="0"/>
           </a:p>
@@ -5865,7 +5864,7 @@
           </a:lstStyle>
           <a:p>
             <a:r>
-              <a:rPr lang="en-US" smtClean="0"/>
+              <a:rPr lang="en-US"/>
               <a:t>Click to edit Master title style</a:t>
             </a:r>
             <a:endParaRPr lang="en-US" dirty="0"/>
@@ -5932,7 +5931,7 @@
           </a:lstStyle>
           <a:p>
             <a:r>
-              <a:rPr lang="en-US" smtClean="0"/>
+              <a:rPr lang="en-US"/>
               <a:t>Click icon to add picture</a:t>
             </a:r>
             <a:endParaRPr lang="en-US" dirty="0"/>
@@ -6000,7 +5999,7 @@
           <a:p>
             <a:pPr lvl="0"/>
             <a:r>
-              <a:rPr lang="en-US" smtClean="0"/>
+              <a:rPr lang="en-US"/>
               <a:t>Click to edit Master text styles</a:t>
             </a:r>
           </a:p>
@@ -6067,7 +6066,7 @@
             <a:fld id="{B61BEF0D-F0BB-DE4B-95CE-6DB70DBA9567}" type="datetimeFigureOut">
               <a:rPr lang="en-US" dirty="0"/>
               <a:pPr/>
-              <a:t>10/14/2018</a:t>
+              <a:t>11/4/2018</a:t>
             </a:fld>
             <a:endParaRPr lang="en-US" dirty="0"/>
           </a:p>
@@ -6660,7 +6659,7 @@
           <a:lstStyle/>
           <a:p>
             <a:r>
-              <a:rPr lang="en-US" smtClean="0"/>
+              <a:rPr lang="en-US"/>
               <a:t>Click to edit Master title style</a:t>
             </a:r>
             <a:endParaRPr lang="en-US" dirty="0"/>
@@ -6694,35 +6693,35 @@
           <a:p>
             <a:pPr lvl="0"/>
             <a:r>
-              <a:rPr lang="en-US" smtClean="0"/>
+              <a:rPr lang="en-US"/>
               <a:t>Click to edit Master text styles</a:t>
             </a:r>
           </a:p>
           <a:p>
             <a:pPr lvl="1"/>
             <a:r>
-              <a:rPr lang="en-US" smtClean="0"/>
+              <a:rPr lang="en-US"/>
               <a:t>Second level</a:t>
             </a:r>
           </a:p>
           <a:p>
             <a:pPr lvl="2"/>
             <a:r>
-              <a:rPr lang="en-US" smtClean="0"/>
+              <a:rPr lang="en-US"/>
               <a:t>Third level</a:t>
             </a:r>
           </a:p>
           <a:p>
             <a:pPr lvl="3"/>
             <a:r>
-              <a:rPr lang="en-US" smtClean="0"/>
+              <a:rPr lang="en-US"/>
               <a:t>Fourth level</a:t>
             </a:r>
           </a:p>
           <a:p>
             <a:pPr lvl="4"/>
             <a:r>
-              <a:rPr lang="en-US" smtClean="0"/>
+              <a:rPr lang="en-US"/>
               <a:t>Fifth level</a:t>
             </a:r>
             <a:endParaRPr lang="en-US" dirty="0"/>
@@ -6765,7 +6764,7 @@
             <a:fld id="{B61BEF0D-F0BB-DE4B-95CE-6DB70DBA9567}" type="datetimeFigureOut">
               <a:rPr lang="en-US" dirty="0"/>
               <a:pPr/>
-              <a:t>10/14/2018</a:t>
+              <a:t>11/4/2018</a:t>
             </a:fld>
             <a:endParaRPr lang="en-US" dirty="0"/>
           </a:p>
@@ -7301,14 +7300,9 @@
           <a:lstStyle/>
           <a:p>
             <a:r>
-              <a:rPr lang="en-US" dirty="0" smtClean="0"/>
-              <a:t>Entitlement Monitoring </a:t>
-            </a:r>
-            <a:r>
-              <a:rPr lang="en-US" dirty="0" smtClean="0"/>
-              <a:t>Data</a:t>
-            </a:r>
-            <a:endParaRPr lang="en-US" dirty="0"/>
+              <a:rPr lang="en-US" dirty="0"/>
+              <a:t>Entitlement Monitoring Data</a:t>
+            </a:r>
           </a:p>
         </p:txBody>
       </p:sp>
@@ -7328,10 +7322,9 @@
           <a:lstStyle/>
           <a:p>
             <a:r>
-              <a:rPr lang="en-US" dirty="0" smtClean="0"/>
+              <a:rPr lang="en-US" dirty="0"/>
               <a:t>28 May 2015 to 14 August 2018</a:t>
             </a:r>
-            <a:endParaRPr lang="en-US" dirty="0"/>
           </a:p>
         </p:txBody>
       </p:sp>
@@ -7358,25 +7351,24 @@
           <a:lstStyle/>
           <a:p>
             <a:r>
-              <a:rPr lang="en-US" dirty="0" smtClean="0"/>
+              <a:rPr lang="en-US" dirty="0"/>
               <a:t>Mike Crist</a:t>
             </a:r>
           </a:p>
           <a:p>
             <a:r>
-              <a:rPr lang="en-US" dirty="0" smtClean="0">
+              <a:rPr lang="en-US" dirty="0">
                 <a:hlinkClick r:id="rId3"/>
               </a:rPr>
               <a:t>mcrist@colostate.edu</a:t>
             </a:r>
-            <a:endParaRPr lang="en-US" dirty="0" smtClean="0"/>
-          </a:p>
-          <a:p>
-            <a:r>
-              <a:rPr lang="en-US" dirty="0" smtClean="0"/>
+            <a:endParaRPr lang="en-US" dirty="0"/>
+          </a:p>
+          <a:p>
+            <a:r>
+              <a:rPr lang="en-US" dirty="0"/>
               <a:t>214-491-9926</a:t>
             </a:r>
-            <a:endParaRPr lang="en-US" dirty="0"/>
           </a:p>
         </p:txBody>
       </p:sp>
@@ -7426,10 +7418,9 @@
           <a:lstStyle/>
           <a:p>
             <a:r>
-              <a:rPr lang="en-US" dirty="0" smtClean="0"/>
+              <a:rPr lang="en-US" dirty="0"/>
               <a:t>Purpose</a:t>
             </a:r>
-            <a:endParaRPr lang="en-US" dirty="0"/>
           </a:p>
         </p:txBody>
       </p:sp>
@@ -7449,83 +7440,58 @@
           <a:lstStyle/>
           <a:p>
             <a:r>
-              <a:rPr lang="en-US" dirty="0" smtClean="0"/>
+              <a:rPr lang="en-US" dirty="0"/>
               <a:t>The use of some commercial software is entitled through the </a:t>
             </a:r>
             <a:r>
-              <a:rPr lang="en-US" dirty="0" err="1" smtClean="0"/>
+              <a:rPr lang="en-US" dirty="0" err="1"/>
               <a:t>Flexera</a:t>
             </a:r>
             <a:r>
-              <a:rPr lang="en-US" dirty="0" smtClean="0"/>
+              <a:rPr lang="en-US" dirty="0"/>
               <a:t> </a:t>
             </a:r>
             <a:r>
-              <a:rPr lang="en-US" dirty="0" err="1" smtClean="0"/>
+              <a:rPr lang="en-US" dirty="0" err="1"/>
               <a:t>FlexLM</a:t>
             </a:r>
             <a:r>
-              <a:rPr lang="en-US" dirty="0" smtClean="0"/>
+              <a:rPr lang="en-US" dirty="0"/>
               <a:t>™ software licensing product</a:t>
             </a:r>
           </a:p>
           <a:p>
             <a:r>
-              <a:rPr lang="en-US" dirty="0" smtClean="0"/>
-              <a:t>When a software entitlement is granted, a “checkout” is performed on </a:t>
-            </a:r>
-            <a:r>
-              <a:rPr lang="en-US" dirty="0" smtClean="0"/>
-              <a:t>one or more </a:t>
-            </a:r>
-            <a:r>
-              <a:rPr lang="en-US" dirty="0" smtClean="0"/>
-              <a:t>features, based on the use of the </a:t>
-            </a:r>
-            <a:r>
-              <a:rPr lang="en-US" dirty="0" smtClean="0"/>
-              <a:t>software</a:t>
-            </a:r>
-          </a:p>
-          <a:p>
-            <a:r>
-              <a:rPr lang="en-US" dirty="0" smtClean="0"/>
+              <a:rPr lang="en-US" dirty="0"/>
+              <a:t>When a software entitlement is granted, a “checkout” is performed on one or more features, based on the use of the software</a:t>
+            </a:r>
+          </a:p>
+          <a:p>
+            <a:r>
+              <a:rPr lang="en-US" dirty="0"/>
               <a:t>After the use is completed, a “</a:t>
             </a:r>
             <a:r>
-              <a:rPr lang="en-US" dirty="0" err="1" smtClean="0"/>
+              <a:rPr lang="en-US" dirty="0" err="1"/>
               <a:t>checkin</a:t>
             </a:r>
             <a:r>
-              <a:rPr lang="en-US" dirty="0" smtClean="0"/>
-              <a:t>” is performed, releasing the hold on the </a:t>
-            </a:r>
-            <a:r>
-              <a:rPr lang="en-US" dirty="0" smtClean="0"/>
-              <a:t>feature(s)</a:t>
-            </a:r>
-            <a:endParaRPr lang="en-US" dirty="0" smtClean="0"/>
-          </a:p>
-          <a:p>
-            <a:r>
-              <a:rPr lang="en-US" dirty="0" smtClean="0"/>
+              <a:rPr lang="en-US" dirty="0"/>
+              <a:t>” is performed, releasing the hold on the feature(s)</a:t>
+            </a:r>
+          </a:p>
+          <a:p>
+            <a:r>
+              <a:rPr lang="en-US" dirty="0"/>
               <a:t>The data in this set is the results of monitoring checkouts and </a:t>
             </a:r>
             <a:r>
-              <a:rPr lang="en-US" dirty="0" err="1" smtClean="0"/>
+              <a:rPr lang="en-US" dirty="0" err="1"/>
               <a:t>checkins</a:t>
             </a:r>
             <a:r>
-              <a:rPr lang="en-US" dirty="0" smtClean="0"/>
-              <a:t> at a commercial company over </a:t>
-            </a:r>
-            <a:r>
-              <a:rPr lang="en-US" dirty="0" smtClean="0"/>
-              <a:t>more than 3 </a:t>
-            </a:r>
-            <a:r>
-              <a:rPr lang="en-US" dirty="0" smtClean="0"/>
-              <a:t>years, and is provided to the community for analysis</a:t>
+              <a:rPr lang="en-US" dirty="0"/>
+              <a:t> at a commercial company over more than 3 years, and is provided to the community for analysis</a:t>
             </a:r>
           </a:p>
         </p:txBody>
@@ -7576,10 +7542,9 @@
           <a:lstStyle/>
           <a:p>
             <a:r>
-              <a:rPr lang="en-US" dirty="0" smtClean="0"/>
+              <a:rPr lang="en-US" dirty="0"/>
               <a:t>Definitions</a:t>
             </a:r>
-            <a:endParaRPr lang="en-US" dirty="0"/>
           </a:p>
         </p:txBody>
       </p:sp>
@@ -7601,63 +7566,58 @@
           <a:lstStyle/>
           <a:p>
             <a:r>
-              <a:rPr lang="en-US" dirty="0" smtClean="0"/>
+              <a:rPr lang="en-US" dirty="0"/>
               <a:t>Entitlement – The grant of use of software or capabilities within a software (feature).  Synonymous with license; where possible, the term entitlement will be used instead of license to remove ambiguity.</a:t>
             </a:r>
-            <a:endParaRPr lang="en-US" dirty="0" smtClean="0"/>
-          </a:p>
-          <a:p>
-            <a:r>
-              <a:rPr lang="en-US" dirty="0" smtClean="0"/>
+          </a:p>
+          <a:p>
+            <a:r>
+              <a:rPr lang="en-US" dirty="0"/>
               <a:t>License – For the purpose of this data set, synonymous with entitlement.  A representation of the right of a user to use a software package*</a:t>
             </a:r>
-            <a:endParaRPr lang="en-US" dirty="0" smtClean="0"/>
-          </a:p>
-          <a:p>
-            <a:r>
-              <a:rPr lang="en-US" dirty="0" smtClean="0"/>
+          </a:p>
+          <a:p>
+            <a:r>
+              <a:rPr lang="en-US" dirty="0"/>
               <a:t>Feature – a portion of an entitlement for a software package or capability within a software package</a:t>
             </a:r>
-            <a:endParaRPr lang="en-US" dirty="0" smtClean="0"/>
-          </a:p>
-          <a:p>
-            <a:r>
-              <a:rPr lang="en-US" dirty="0" smtClean="0"/>
+          </a:p>
+          <a:p>
+            <a:r>
+              <a:rPr lang="en-US" dirty="0"/>
               <a:t>Host – a computer that is used by a user to request a feature</a:t>
             </a:r>
-            <a:endParaRPr lang="en-US" dirty="0" smtClean="0"/>
-          </a:p>
-          <a:p>
-            <a:r>
-              <a:rPr lang="en-US" dirty="0" smtClean="0"/>
+          </a:p>
+          <a:p>
+            <a:r>
+              <a:rPr lang="en-US" dirty="0"/>
               <a:t>Token – A subunit of a feature; a feature may provide one or more tokens</a:t>
             </a:r>
           </a:p>
           <a:p>
             <a:r>
-              <a:rPr lang="en-US" dirty="0" smtClean="0"/>
+              <a:rPr lang="en-US" dirty="0"/>
               <a:t>Tag – A computer that is monitored that provides feature checkouts</a:t>
             </a:r>
           </a:p>
           <a:p>
             <a:r>
-              <a:rPr lang="en-US" dirty="0" smtClean="0"/>
+              <a:rPr lang="en-US" dirty="0"/>
               <a:t>Checkout – The time when a feature is provided to a user</a:t>
             </a:r>
           </a:p>
           <a:p>
             <a:r>
-              <a:rPr lang="en-US" dirty="0" err="1" smtClean="0"/>
+              <a:rPr lang="en-US" dirty="0" err="1"/>
               <a:t>Checkin</a:t>
             </a:r>
             <a:r>
-              <a:rPr lang="en-US" dirty="0" smtClean="0"/>
+              <a:rPr lang="en-US" dirty="0"/>
               <a:t> – The time when a user returns the feature</a:t>
             </a:r>
-            <a:endParaRPr lang="en-US" dirty="0" smtClean="0"/>
-          </a:p>
-          <a:p>
-            <a:endParaRPr lang="en-US" dirty="0" smtClean="0"/>
+          </a:p>
+          <a:p>
+            <a:endParaRPr lang="en-US" dirty="0"/>
           </a:p>
         </p:txBody>
       </p:sp>
@@ -7684,12 +7644,8 @@
           <a:lstStyle/>
           <a:p>
             <a:r>
-              <a:rPr lang="en-US" dirty="0" smtClean="0"/>
-              <a:t>*Note - </a:t>
-            </a:r>
-            <a:r>
-              <a:rPr lang="en-US" dirty="0"/>
-              <a:t>Software license has multiple meanings; the definition here should </a:t>
+              <a:rPr lang="en-US" dirty="0"/>
+              <a:t>*Note - Software license has multiple meanings; the definition here should </a:t>
             </a:r>
             <a:r>
               <a:rPr lang="en-US" b="1" u="sng" dirty="0"/>
@@ -7748,10 +7704,9 @@
           <a:lstStyle/>
           <a:p>
             <a:r>
-              <a:rPr lang="en-US" dirty="0" smtClean="0"/>
+              <a:rPr lang="en-US" dirty="0"/>
               <a:t>Data description</a:t>
             </a:r>
-            <a:endParaRPr lang="en-US" dirty="0"/>
           </a:p>
         </p:txBody>
       </p:sp>
@@ -7773,109 +7728,83 @@
           <a:lstStyle/>
           <a:p>
             <a:r>
-              <a:rPr lang="en-US" dirty="0" smtClean="0"/>
+              <a:rPr lang="en-US" dirty="0"/>
               <a:t>CSV files separated by year are provided</a:t>
             </a:r>
           </a:p>
           <a:p>
             <a:r>
-              <a:rPr lang="en-US" dirty="0" smtClean="0"/>
+              <a:rPr lang="en-US" dirty="0"/>
               <a:t>An SQLite3 database of all data is provided</a:t>
             </a:r>
           </a:p>
           <a:p>
             <a:r>
-              <a:rPr lang="en-US" dirty="0" smtClean="0"/>
-              <a:t>Checkouts table </a:t>
-            </a:r>
-            <a:r>
-              <a:rPr lang="en-US" dirty="0"/>
-              <a:t>f</a:t>
-            </a:r>
-            <a:r>
-              <a:rPr lang="en-US" dirty="0" smtClean="0"/>
-              <a:t>ield descriptions :</a:t>
+              <a:rPr lang="en-US" dirty="0"/>
+              <a:t>Checkouts table field descriptions :</a:t>
             </a:r>
           </a:p>
           <a:p>
             <a:pPr lvl="1"/>
             <a:r>
-              <a:rPr lang="en-US" dirty="0" err="1" smtClean="0"/>
+              <a:rPr lang="en-US" dirty="0" err="1"/>
               <a:t>feature_id</a:t>
             </a:r>
             <a:r>
-              <a:rPr lang="en-US" dirty="0" smtClean="0"/>
+              <a:rPr lang="en-US" dirty="0"/>
               <a:t> – INTEGER – Unique identifier of a software feature that is being checked out</a:t>
             </a:r>
-            <a:endParaRPr lang="en-US" dirty="0"/>
           </a:p>
           <a:p>
             <a:pPr lvl="1"/>
             <a:r>
-              <a:rPr lang="en-US" dirty="0" err="1" smtClean="0"/>
+              <a:rPr lang="en-US" dirty="0" err="1"/>
               <a:t>checkout_ts</a:t>
             </a:r>
             <a:r>
-              <a:rPr lang="en-US" dirty="0" smtClean="0"/>
+              <a:rPr lang="en-US" dirty="0"/>
               <a:t> – INTEGER – Time (in seconds since January 1, 1970) when the feature request was granted, and the feature checkout begins</a:t>
             </a:r>
-            <a:endParaRPr lang="en-US" dirty="0"/>
           </a:p>
           <a:p>
             <a:pPr lvl="1"/>
             <a:r>
-              <a:rPr lang="en-US" dirty="0" err="1" smtClean="0"/>
+              <a:rPr lang="en-US" dirty="0" err="1"/>
               <a:t>user_id</a:t>
             </a:r>
             <a:r>
-              <a:rPr lang="en-US" dirty="0" smtClean="0"/>
+              <a:rPr lang="en-US" dirty="0"/>
               <a:t> – INTEGER – Unique identifier of the user requesting the feature</a:t>
             </a:r>
-            <a:endParaRPr lang="en-US" dirty="0"/>
           </a:p>
           <a:p>
             <a:pPr lvl="1"/>
             <a:r>
-              <a:rPr lang="en-US" dirty="0" err="1" smtClean="0"/>
+              <a:rPr lang="en-US" dirty="0" err="1"/>
               <a:t>host_id</a:t>
             </a:r>
             <a:r>
-              <a:rPr lang="en-US" dirty="0" smtClean="0"/>
-              <a:t> – INTEGER </a:t>
-            </a:r>
-            <a:r>
-              <a:rPr lang="en-US" dirty="0" smtClean="0"/>
-              <a:t>– Unique identifier of the computer being used by a user to request a feature</a:t>
-            </a:r>
-            <a:endParaRPr lang="en-US" dirty="0"/>
+              <a:rPr lang="en-US" dirty="0"/>
+              <a:t> – INTEGER – Unique identifier of the computer being used by a user to request a feature</a:t>
+            </a:r>
           </a:p>
           <a:p>
             <a:pPr lvl="1"/>
             <a:r>
-              <a:rPr lang="en-US" dirty="0" smtClean="0"/>
-              <a:t>handle </a:t>
-            </a:r>
-            <a:r>
-              <a:rPr lang="en-US" dirty="0" smtClean="0"/>
-              <a:t>– INTEGER – Unique identifier</a:t>
-            </a:r>
-            <a:endParaRPr lang="en-US" dirty="0"/>
+              <a:rPr lang="en-US" dirty="0"/>
+              <a:t>handle – INTEGER – Unique identifier</a:t>
+            </a:r>
           </a:p>
           <a:p>
             <a:pPr lvl="1"/>
             <a:r>
-              <a:rPr lang="en-US" dirty="0" err="1" smtClean="0"/>
+              <a:rPr lang="en-US" dirty="0" err="1"/>
               <a:t>request_ts</a:t>
             </a:r>
             <a:r>
-              <a:rPr lang="en-US" dirty="0" smtClean="0"/>
-              <a:t> </a:t>
-            </a:r>
-            <a:r>
-              <a:rPr lang="en-US" dirty="0" smtClean="0"/>
-              <a:t>– INTEGER – Time (in seconds since January 1, 1970) when the feature was requested.  If a checkout is requested and there is insufficient capacity to satisfy the full request, a denial is generated (no partial checkouts).</a:t>
-            </a:r>
-            <a:endParaRPr lang="en-US" dirty="0"/>
+              <a:rPr lang="en-US" dirty="0"/>
+              <a:t> – INTEGER – Time (in seconds since January 1, 1970) when the feature was requested.  If a checkout is requested and there is insufficient capacity to satisfy the full request, a denial is generated (no partial checkouts).</a:t>
+            </a:r>
           </a:p>
         </p:txBody>
       </p:sp>
@@ -7926,13 +7855,8 @@
           <a:p>
             <a:r>
               <a:rPr lang="en-US" dirty="0"/>
-              <a:t>Data </a:t>
-            </a:r>
-            <a:r>
-              <a:rPr lang="en-US" dirty="0" smtClean="0"/>
-              <a:t>description (continued)</a:t>
-            </a:r>
-            <a:endParaRPr lang="en-US" dirty="0"/>
+              <a:t>Data description (continued)</a:t>
+            </a:r>
           </a:p>
         </p:txBody>
       </p:sp>
@@ -7952,7 +7876,7 @@
           <a:lstStyle/>
           <a:p>
             <a:r>
-              <a:rPr lang="en-US" dirty="0" smtClean="0"/>
+              <a:rPr lang="en-US" dirty="0"/>
               <a:t>Checkouts table field Descriptions:</a:t>
             </a:r>
           </a:p>
@@ -7964,45 +7888,15 @@
             </a:r>
             <a:r>
               <a:rPr lang="en-US" dirty="0"/>
-              <a:t> </a:t>
-            </a:r>
-            <a:r>
-              <a:rPr lang="en-US" dirty="0"/>
-              <a:t>– INTEGER </a:t>
-            </a:r>
-            <a:r>
-              <a:rPr lang="en-US" dirty="0" smtClean="0"/>
-              <a:t>- Time </a:t>
-            </a:r>
-            <a:r>
-              <a:rPr lang="en-US" dirty="0"/>
-              <a:t>(in seconds since January 1, 1970) when the feature request was </a:t>
-            </a:r>
-            <a:r>
-              <a:rPr lang="en-US" dirty="0" smtClean="0"/>
-              <a:t>completed, </a:t>
-            </a:r>
-            <a:r>
-              <a:rPr lang="en-US" dirty="0"/>
-              <a:t>and the feature </a:t>
-            </a:r>
-            <a:r>
-              <a:rPr lang="en-US" dirty="0" smtClean="0"/>
-              <a:t>is returned</a:t>
-            </a:r>
-            <a:endParaRPr lang="en-US" dirty="0"/>
+              <a:t> – INTEGER - Time (in seconds since January 1, 1970) when the feature request was completed, and the feature is returned</a:t>
+            </a:r>
           </a:p>
           <a:p>
             <a:pPr lvl="1"/>
             <a:r>
               <a:rPr lang="en-US" dirty="0"/>
-              <a:t>tokens </a:t>
-            </a:r>
-            <a:r>
-              <a:rPr lang="en-US" dirty="0" smtClean="0"/>
-              <a:t>– INTEGER – Number of requested tokens during a checkout</a:t>
-            </a:r>
-            <a:endParaRPr lang="en-US" dirty="0"/>
+              <a:t>tokens – INTEGER – Number of requested tokens during a checkout</a:t>
+            </a:r>
           </a:p>
           <a:p>
             <a:pPr lvl="1"/>
@@ -8012,13 +7906,8 @@
             </a:r>
             <a:r>
               <a:rPr lang="en-US" dirty="0"/>
-              <a:t> </a:t>
-            </a:r>
-            <a:r>
-              <a:rPr lang="en-US" dirty="0" smtClean="0"/>
-              <a:t>– INTEGER – Unique identifier of a group of hosts and users</a:t>
-            </a:r>
-            <a:endParaRPr lang="en-US" dirty="0"/>
+              <a:t> – INTEGER – Unique identifier of a group of hosts and users</a:t>
+            </a:r>
           </a:p>
           <a:p>
             <a:pPr lvl="1"/>
@@ -8028,13 +7917,8 @@
             </a:r>
             <a:r>
               <a:rPr lang="en-US" dirty="0"/>
-              <a:t> </a:t>
-            </a:r>
-            <a:r>
-              <a:rPr lang="en-US" dirty="0" smtClean="0"/>
-              <a:t>– INTEGER – Unique identifier of a version of software or feature being requested</a:t>
-            </a:r>
-            <a:endParaRPr lang="en-US" dirty="0"/>
+              <a:t> – INTEGER – Unique identifier of a version of software or feature being requested</a:t>
+            </a:r>
           </a:p>
           <a:p>
             <a:pPr lvl="1"/>
@@ -8044,25 +7928,15 @@
             </a:r>
             <a:r>
               <a:rPr lang="en-US" dirty="0"/>
-              <a:t> </a:t>
-            </a:r>
-            <a:r>
-              <a:rPr lang="en-US" dirty="0" smtClean="0"/>
-              <a:t>– INTEGER – Unique identifier of a file and position within a while where an entitlement is granted</a:t>
-            </a:r>
-            <a:endParaRPr lang="en-US" dirty="0"/>
+              <a:t> – INTEGER – Unique identifier of a file and position within a while where an entitlement is granted</a:t>
+            </a:r>
           </a:p>
           <a:p>
             <a:pPr lvl="1"/>
             <a:r>
               <a:rPr lang="en-US" dirty="0"/>
-              <a:t>origin </a:t>
-            </a:r>
-            <a:r>
-              <a:rPr lang="en-US" dirty="0" smtClean="0"/>
-              <a:t>– INTEGER – No information provided</a:t>
-            </a:r>
-            <a:endParaRPr lang="en-US" dirty="0"/>
+              <a:t>origin – INTEGER – No information provided</a:t>
+            </a:r>
           </a:p>
           <a:p>
             <a:pPr lvl="1"/>
@@ -8138,43 +8012,34 @@
           <a:lstStyle/>
           <a:p>
             <a:r>
-              <a:rPr lang="en-US" dirty="0" smtClean="0"/>
+              <a:rPr lang="en-US" dirty="0"/>
               <a:t>Capacity table field descriptions</a:t>
             </a:r>
           </a:p>
           <a:p>
             <a:pPr lvl="1"/>
             <a:r>
-              <a:rPr lang="en-US" dirty="0" err="1" smtClean="0"/>
+              <a:rPr lang="en-US" dirty="0" err="1"/>
               <a:t>Feature_id</a:t>
             </a:r>
             <a:r>
-              <a:rPr lang="en-US" dirty="0" smtClean="0"/>
+              <a:rPr lang="en-US" dirty="0"/>
               <a:t> – INTEGER – Unique identifier of the feature where the capacity applies</a:t>
             </a:r>
           </a:p>
           <a:p>
             <a:pPr lvl="1"/>
             <a:r>
-              <a:rPr lang="en-US" dirty="0" smtClean="0"/>
-              <a:t>Timestamp – INTEGER - Time </a:t>
-            </a:r>
-            <a:r>
-              <a:rPr lang="en-US" dirty="0"/>
-              <a:t>(in seconds since January 1, 1970) </a:t>
-            </a:r>
-            <a:r>
-              <a:rPr lang="en-US" dirty="0" smtClean="0"/>
-              <a:t>when the capacity changes to the number of tokens identified.  The capacity remains unchanged between timestamps.  If no capacity is identified before the start of the dataset (28 May 2015), the capacity is assumed to be 0.</a:t>
+              <a:rPr lang="en-US" dirty="0"/>
+              <a:t>Timestamp – INTEGER - Time (in seconds since January 1, 1970) when the capacity changes to the number of tokens identified.  The capacity remains unchanged between timestamps.  If no capacity is identified before the start of the dataset (28 May 2015), the capacity is assumed to be 0.</a:t>
             </a:r>
           </a:p>
           <a:p>
             <a:pPr lvl="1"/>
             <a:r>
-              <a:rPr lang="en-US" dirty="0" smtClean="0"/>
+              <a:rPr lang="en-US" dirty="0"/>
               <a:t>Tokens – INTEGER – number of tokens available for checkout</a:t>
             </a:r>
-            <a:endParaRPr lang="en-US" dirty="0"/>
           </a:p>
         </p:txBody>
       </p:sp>
@@ -8246,61 +8111,60 @@
           <a:lstStyle/>
           <a:p>
             <a:r>
-              <a:rPr lang="en-US" dirty="0" smtClean="0"/>
+              <a:rPr lang="en-US" dirty="0"/>
               <a:t>Features table field descriptions:</a:t>
             </a:r>
           </a:p>
           <a:p>
             <a:pPr lvl="1"/>
             <a:r>
-              <a:rPr lang="en-US" dirty="0" smtClean="0"/>
+              <a:rPr lang="en-US" dirty="0"/>
               <a:t>Id – INTEGER – Unique identifier of the feature</a:t>
             </a:r>
           </a:p>
           <a:p>
             <a:pPr lvl="1"/>
             <a:r>
-              <a:rPr lang="en-US" dirty="0" err="1" smtClean="0"/>
+              <a:rPr lang="en-US" dirty="0" err="1"/>
               <a:t>Feature_name_id</a:t>
             </a:r>
             <a:r>
-              <a:rPr lang="en-US" dirty="0" smtClean="0"/>
+              <a:rPr lang="en-US" dirty="0"/>
               <a:t> – INTEGER – Unique identifier of the name of the feature.  The feature name table is not provided.</a:t>
             </a:r>
           </a:p>
           <a:p>
             <a:pPr lvl="1"/>
             <a:r>
-              <a:rPr lang="en-US" dirty="0" err="1" smtClean="0"/>
+              <a:rPr lang="en-US" dirty="0" err="1"/>
               <a:t>Tag_id</a:t>
             </a:r>
             <a:r>
-              <a:rPr lang="en-US" dirty="0" smtClean="0"/>
+              <a:rPr lang="en-US" dirty="0"/>
               <a:t> – INTEGER – Unique identifier of the name of the computer providing the feature.  The tag name table is not provided.</a:t>
             </a:r>
           </a:p>
           <a:p>
             <a:pPr lvl="1"/>
             <a:r>
-              <a:rPr lang="en-US" dirty="0" err="1" smtClean="0"/>
+              <a:rPr lang="en-US" dirty="0" err="1"/>
               <a:t>Checkout_count</a:t>
             </a:r>
             <a:r>
-              <a:rPr lang="en-US" dirty="0" smtClean="0"/>
+              <a:rPr lang="en-US" dirty="0"/>
               <a:t> – INTEGER – Total number of checkouts of this feature</a:t>
             </a:r>
           </a:p>
           <a:p>
             <a:pPr lvl="1"/>
             <a:r>
-              <a:rPr lang="en-US" dirty="0" err="1" smtClean="0"/>
+              <a:rPr lang="en-US" dirty="0" err="1"/>
               <a:t>Denial_count</a:t>
             </a:r>
             <a:r>
-              <a:rPr lang="en-US" dirty="0" smtClean="0"/>
+              <a:rPr lang="en-US" dirty="0"/>
               <a:t> – INTEGER – total number of denials of this feature</a:t>
             </a:r>
-            <a:endParaRPr lang="en-US" dirty="0"/>
           </a:p>
         </p:txBody>
       </p:sp>
@@ -8350,10 +8214,9 @@
           <a:lstStyle/>
           <a:p>
             <a:r>
-              <a:rPr lang="en-US" dirty="0" smtClean="0"/>
+              <a:rPr lang="en-US" dirty="0"/>
               <a:t>Data description (continued)</a:t>
             </a:r>
-            <a:endParaRPr lang="en-US" dirty="0"/>
           </a:p>
         </p:txBody>
       </p:sp>
@@ -8375,103 +8238,87 @@
           <a:lstStyle/>
           <a:p>
             <a:r>
-              <a:rPr lang="en-US" dirty="0" err="1" smtClean="0"/>
+              <a:rPr lang="en-US" dirty="0" err="1"/>
               <a:t>Daily_summary_local</a:t>
             </a:r>
             <a:r>
-              <a:rPr lang="en-US" dirty="0" smtClean="0"/>
-              <a:t> table </a:t>
-            </a:r>
-            <a:r>
-              <a:rPr lang="en-US" dirty="0"/>
-              <a:t>field </a:t>
-            </a:r>
-            <a:r>
-              <a:rPr lang="en-US" dirty="0" smtClean="0"/>
-              <a:t>descriptions:</a:t>
+              <a:rPr lang="en-US" dirty="0"/>
+              <a:t> table field descriptions:</a:t>
             </a:r>
           </a:p>
           <a:p>
             <a:pPr lvl="1"/>
             <a:r>
-              <a:rPr lang="en-US" dirty="0" smtClean="0"/>
+              <a:rPr lang="en-US" dirty="0"/>
               <a:t>Day – TEXT – day that the entry was made.  The format is MM/DD/YYYY</a:t>
             </a:r>
           </a:p>
           <a:p>
             <a:pPr lvl="1"/>
             <a:r>
-              <a:rPr lang="en-US" dirty="0" err="1" smtClean="0"/>
+              <a:rPr lang="en-US" dirty="0" err="1"/>
               <a:t>Feature_id</a:t>
             </a:r>
             <a:r>
-              <a:rPr lang="en-US" dirty="0" smtClean="0"/>
-              <a:t> – INTEGER - </a:t>
-            </a:r>
-            <a:r>
-              <a:rPr lang="en-US" dirty="0"/>
-              <a:t>Unique identifier of a software feature that is being checked out</a:t>
+              <a:rPr lang="en-US" dirty="0"/>
+              <a:t> – INTEGER - Unique identifier of a software feature that is being checked out</a:t>
             </a:r>
           </a:p>
           <a:p>
             <a:pPr lvl="1"/>
             <a:r>
               <a:rPr lang="en-US" dirty="0" err="1"/>
-              <a:t>U</a:t>
-            </a:r>
-            <a:r>
-              <a:rPr lang="en-US" dirty="0" err="1" smtClean="0"/>
-              <a:t>se_peak</a:t>
-            </a:r>
-            <a:r>
-              <a:rPr lang="en-US" dirty="0" smtClean="0"/>
+              <a:t>Use_peak</a:t>
+            </a:r>
+            <a:r>
+              <a:rPr lang="en-US" dirty="0"/>
               <a:t> – INTEGER – maximum number of tokens checked out for that feature</a:t>
             </a:r>
           </a:p>
           <a:p>
             <a:pPr lvl="1"/>
             <a:r>
-              <a:rPr lang="en-US" dirty="0" err="1" smtClean="0"/>
+              <a:rPr lang="en-US" dirty="0" err="1"/>
               <a:t>Use_avg</a:t>
             </a:r>
             <a:r>
-              <a:rPr lang="en-US" dirty="0" smtClean="0"/>
+              <a:rPr lang="en-US" dirty="0"/>
               <a:t> – REAL – average number of licenses checked out for the duration of that day</a:t>
             </a:r>
           </a:p>
           <a:p>
             <a:pPr lvl="1"/>
             <a:r>
-              <a:rPr lang="en-US" dirty="0" err="1" smtClean="0"/>
+              <a:rPr lang="en-US" dirty="0" err="1"/>
               <a:t>Wait_peak</a:t>
             </a:r>
             <a:r>
-              <a:rPr lang="en-US" dirty="0" smtClean="0"/>
+              <a:rPr lang="en-US" dirty="0"/>
               <a:t> – INTEGER – maximum number of tokens that we waited on by users</a:t>
             </a:r>
           </a:p>
           <a:p>
             <a:pPr lvl="1"/>
             <a:r>
-              <a:rPr lang="en-US" dirty="0" err="1" smtClean="0"/>
+              <a:rPr lang="en-US" dirty="0" err="1"/>
               <a:t>Wait_avg</a:t>
             </a:r>
             <a:r>
-              <a:rPr lang="en-US" dirty="0" smtClean="0"/>
+              <a:rPr lang="en-US" dirty="0"/>
               <a:t> – REAL – average number of licenses waited on for the duration of that day</a:t>
             </a:r>
           </a:p>
           <a:p>
             <a:pPr lvl="1"/>
             <a:r>
-              <a:rPr lang="en-US" dirty="0" smtClean="0"/>
+              <a:rPr lang="en-US" dirty="0"/>
               <a:t>Requests – INTEGER – number of distinct token requests</a:t>
             </a:r>
           </a:p>
           <a:p>
             <a:pPr lvl="1"/>
             <a:r>
-              <a:rPr lang="en-US" dirty="0" smtClean="0"/>
+              <a:rPr lang="en-US" dirty="0"/>
               <a:t>Denials – INTEGER – number of distinct request denials</a:t>
             </a:r>
           </a:p>
@@ -9267,38 +9114,4 @@
     </a:ext>
   </a:extLst>
 </a:theme>
-</file>
-
-<file path=customXml/item1.xml><?xml version="1.0" encoding="utf-8"?>
-<WrappedLabelHistory xmlns:xsi="http://www.w3.org/2001/XMLSchema-instance" xmlns:xsd="http://www.w3.org/2001/XMLSchema" xmlns="http://www.boldonjames.com/2016/02/Classifier/internal/wrappedLabelHistory">
-  <Value>PD94bWwgdmVyc2lvbj0iMS4wIiBlbmNvZGluZz0idXMtYXNjaWkiPz48bGFiZWxIaXN0b3J5IHhtbG5zOnhzaT0iaHR0cDovL3d3dy53My5vcmcvMjAwMS9YTUxTY2hlbWEtaW5zdGFuY2UiIHhtbG5zOnhzZD0iaHR0cDovL3d3dy53My5vcmcvMjAwMS9YTUxTY2hlbWEiIHhtbG5zPSJodHRwOi8vd3d3LmJvbGRvbmphbWVzLmNvbS8yMDE2LzAyL0NsYXNzaWZpZXIvaW50ZXJuYWwvbGFiZWxIaXN0b3J5Ij48aXRlbT48c2lzbCBzaXNsVmVyc2lvbj0iMCIgcG9saWN5PSJjZGU1M2FjMS1iZjVmLTRhYWUtOWNmMS0wNzUwOWUyM2E0YjAiIG9yaWdpbj0iZGVmYXVsdFZhbHVlIj48ZWxlbWVudCB1aWQ9ImJiYTk0YzY1LWFjM2QtNGYzNC1iMmUxLThkZTExZWY2ZjAxYyIgdmFsdWU9IiIgeG1sbnM9Imh0dHA6Ly93d3cuYm9sZG9uamFtZXMuY29tLzIwMDgvMDEvc2llL2ludGVybmFsL2xhYmVsIiAvPjwvc2lzbD48VXNlck5hbWU+VVNcMTA1MjQwMjwvVXNlck5hbWU+PERhdGVUaW1lPjEwLzE0LzIwMTggNTowNDowNiBQTTwvRGF0ZVRpbWU+PExhYmVsU3RyaW5nPk9yaWdpbiBKdXJpc2RpY3Rpb246IFVTIDwvTGFiZWxTdHJpbmc+PC9pdGVtPjxpdGVtPjxzaXNsIHNpc2xWZXJzaW9uPSIwIiBwb2xpY3k9ImNkZTUzYWMxLWJmNWYtNGFhZS05Y2YxLTA3NTA5ZTIzYTRiMCIgb3JpZ2luPSJ1c2VyU2VsZWN0ZWQiPjxlbGVtZW50IHVpZD0iYmJhOTRjNjUtYWMzZC00ZjM0LWIyZTEtOGRlMTFlZjZmMDFjIiB2YWx1ZT0iIiB4bWxucz0iaHR0cDovL3d3dy5ib2xkb25qYW1lcy5jb20vMjAwOC8wMS9zaWUvaW50ZXJuYWwvbGFiZWwiIC8+PGVsZW1lbnQgdWlkPSJkZWNlY2JkNi1kYTNiLTQ2ZmUtOGYwMC1mOWQ5ZGVlYTJlZTEiIHZhbHVlPSIiIHhtbG5zPSJodHRwOi8vd3d3LmJvbGRvbmphbWVzLmNvbS8yMDA4LzAxL3NpZS9pbnRlcm5hbC9sYWJlbCIgLz48ZWxlbWVudCB1aWQ9ImJiYmY3YmY0LTRmNGYtNDE4OS05YzVlLTY1MDE1ZGU4YTZhZCIgdmFsdWU9IiIgeG1sbnM9Imh0dHA6Ly93d3cuYm9sZG9uamFtZXMuY29tLzIwMDgvMDEvc2llL2ludGVybmFsL2xhYmVsIiAvPjxlbGVtZW50IHVpZD0iYmMyYjdjMDEtNmRiMS00ZTdkLTg4ZDEtZmM2MTY3NGY4NmZkIiB2YWx1ZT0iIiB4bWxucz0iaHR0cDovL3d3dy5ib2xkb25qYW1lcy5jb20vMjAwOC8wMS9zaWUvaW50ZXJuYWwvbGFiZWwiIC8+PGVsZW1lbnQgdWlkPSI5MmU5OTNhMy1hZjMyLTRhZmItYWExOS0zYTQ5Y2RiODJjN2EiIHZhbHVlPSIiIHhtbG5zPSJodHRwOi8vd3d3LmJvbGRvbmphbWVzLmNvbS8yMDA4LzAxL3NpZS9pbnRlcm5hbC9sYWJlbCIgLz48L3Npc2w+PFVzZXJOYW1lPlVTXDEwNTI0MDI8L1VzZXJOYW1lPjxEYXRlVGltZT4xMC8xNC8yMDE4IDY6MzE6NTcgUE08L0RhdGVUaW1lPjxMYWJlbFN0cmluZz5PcmlnaW4gSnVyaXNkaWN0aW9uOiBVUyAgfCBVbnJlc3RyaWN0ZWQgQ29udGVudCB8IE5vIG1hcmtpbmcgYXBwbGllZCBieSB0aGUgdG9vbCB8IE90aGVyIEluZm9ybWF0aW9uIChOb3QgUmVxdWlyaW5nIGFuIEV4cG9ydCBDb250cm9sIE1hcmtpbmcpIHwgTm8gbWFya2luZyBhcHBsaWVkIGJ5IHRoZSB0b29sPC9MYWJlbFN0cmluZz48L2l0ZW0+PC9sYWJlbEhpc3Rvcnk+</Value>
-</WrappedLabelHistory>
-</file>
-
-<file path=customXml/item2.xml><?xml version="1.0" encoding="utf-8"?>
-<sisl xmlns:xsi="http://www.w3.org/2001/XMLSchema-instance" xmlns:xsd="http://www.w3.org/2001/XMLSchema" xmlns="http://www.boldonjames.com/2008/01/sie/internal/label" sislVersion="0" policy="cde53ac1-bf5f-4aae-9cf1-07509e23a4b0" origin="userSelected">
-  <element uid="bba94c65-ac3d-4f34-b2e1-8de11ef6f01c" value=""/>
-  <element uid="dececbd6-da3b-46fe-8f00-f9d9deea2ee1" value=""/>
-  <element uid="bbbf7bf4-4f4f-4189-9c5e-65015de8a6ad" value=""/>
-  <element uid="bc2b7c01-6db1-4e7d-88d1-fc61674f86fd" value=""/>
-  <element uid="92e993a3-af32-4afb-aa19-3a49cdb82c7a" value=""/>
-</sisl>
-</file>
-
-<file path=customXml/itemProps1.xml><?xml version="1.0" encoding="utf-8"?>
-<ds:datastoreItem xmlns:ds="http://schemas.openxmlformats.org/officeDocument/2006/customXml" ds:itemID="{88FF98F5-B617-4BF2-98ED-30E243D02F07}">
-  <ds:schemaRefs>
-    <ds:schemaRef ds:uri="http://www.w3.org/2001/XMLSchema"/>
-    <ds:schemaRef ds:uri="http://www.boldonjames.com/2016/02/Classifier/internal/wrappedLabelHistory"/>
-  </ds:schemaRefs>
-</ds:datastoreItem>
-</file>
-
-<file path=customXml/itemProps2.xml><?xml version="1.0" encoding="utf-8"?>
-<ds:datastoreItem xmlns:ds="http://schemas.openxmlformats.org/officeDocument/2006/customXml" ds:itemID="{26DFDEAC-3F8D-48EC-800E-0769C923D451}">
-  <ds:schemaRefs>
-    <ds:schemaRef ds:uri="http://www.w3.org/2001/XMLSchema"/>
-    <ds:schemaRef ds:uri="http://www.boldonjames.com/2008/01/sie/internal/label"/>
-  </ds:schemaRefs>
-</ds:datastoreItem>
 </file>